--- a/Presentation/Metrics Extraction and Comparison Tool - Itay Yair.pptx
+++ b/Presentation/Metrics Extraction and Comparison Tool - Itay Yair.pptx
@@ -112,6 +112,11 @@
       </a:defRPr>
     </a:lvl9pPr>
   </p:defaultTextStyle>
+  <p:extLst>
+    <p:ext uri="{EFAFB233-063F-42B5-8137-9DF3F51BA10A}">
+      <p15:sldGuideLst xmlns:p15="http://schemas.microsoft.com/office/powerpoint/2012/main"/>
+    </p:ext>
+  </p:extLst>
 </p:presentation>
 </file>
 
@@ -4855,33 +4860,33 @@
             </a:r>
           </a:p>
           <a:p>
-            <a:pPr>
+            <a:pPr marL="342900" indent="-342900">
               <a:buFont typeface="Arial" panose="020B0604020202020204" pitchFamily="34" charset="0"/>
               <a:buChar char="•"/>
             </a:pPr>
             <a:r>
               <a:rPr lang="en-US" dirty="0"/>
-              <a:t> Automates extraction and comparison of financial metrics.</a:t>
-            </a:r>
-          </a:p>
-          <a:p>
-            <a:pPr>
+              <a:t>Automates extraction and comparison of financial metrics.</a:t>
+            </a:r>
+          </a:p>
+          <a:p>
+            <a:pPr marL="342900" indent="-342900">
               <a:buFont typeface="Arial" panose="020B0604020202020204" pitchFamily="34" charset="0"/>
               <a:buChar char="•"/>
             </a:pPr>
             <a:r>
               <a:rPr lang="en-US" dirty="0"/>
-              <a:t> Supports both LLM-assisted and no-LLM modes.</a:t>
-            </a:r>
-          </a:p>
-          <a:p>
-            <a:pPr>
+              <a:t>Supports both LLM-assisted and no-LLM modes.</a:t>
+            </a:r>
+          </a:p>
+          <a:p>
+            <a:pPr marL="342900" indent="-342900">
               <a:buFont typeface="Arial" panose="020B0604020202020204" pitchFamily="34" charset="0"/>
               <a:buChar char="•"/>
             </a:pPr>
             <a:r>
               <a:rPr lang="en-US" dirty="0"/>
-              <a:t> Provides structured comparison tables for quarterly metrics.</a:t>
+              <a:t>Provides structured comparison tables for quarterly metrics.</a:t>
             </a:r>
           </a:p>
           <a:p>
@@ -4980,33 +4985,33 @@
             <a:endParaRPr lang="en-US" dirty="0"/>
           </a:p>
           <a:p>
-            <a:pPr>
+            <a:pPr marL="342900" indent="-342900">
               <a:buFont typeface="Arial" panose="020B0604020202020204" pitchFamily="34" charset="0"/>
               <a:buChar char="•"/>
             </a:pPr>
             <a:r>
               <a:rPr lang="en-US" dirty="0"/>
-              <a:t> Extract financial metrics from different file formats (PDF, Excel).</a:t>
-            </a:r>
-          </a:p>
-          <a:p>
-            <a:pPr>
+              <a:t>Extract financial metrics from different file formats (PDF, Excel).</a:t>
+            </a:r>
+          </a:p>
+          <a:p>
+            <a:pPr marL="342900" indent="-342900">
               <a:buFont typeface="Arial" panose="020B0604020202020204" pitchFamily="34" charset="0"/>
               <a:buChar char="•"/>
             </a:pPr>
             <a:r>
               <a:rPr lang="en-US" dirty="0"/>
-              <a:t> Reconcile differences in representation (e.g., billions vs. millions).</a:t>
-            </a:r>
-          </a:p>
-          <a:p>
-            <a:pPr>
+              <a:t>Reconcile differences in representation (e.g., billions vs. millions).</a:t>
+            </a:r>
+          </a:p>
+          <a:p>
+            <a:pPr marL="342900" indent="-342900">
               <a:buFont typeface="Arial" panose="020B0604020202020204" pitchFamily="34" charset="0"/>
               <a:buChar char="•"/>
             </a:pPr>
             <a:r>
               <a:rPr lang="en-US" dirty="0"/>
-              <a:t> Present comparisons with high accuracy.</a:t>
+              <a:t>Present comparisons with high accuracy.</a:t>
             </a:r>
           </a:p>
           <a:p>
@@ -5016,8 +5021,7 @@
             </a:r>
           </a:p>
           <a:p>
-            <a:pPr>
-              <a:buFont typeface="+mj-lt"/>
+            <a:pPr marL="457200" indent="-457200">
               <a:buAutoNum type="arabicPeriod"/>
             </a:pPr>
             <a:r>
@@ -5026,8 +5030,7 @@
             </a:r>
           </a:p>
           <a:p>
-            <a:pPr>
-              <a:buFont typeface="+mj-lt"/>
+            <a:pPr marL="457200" indent="-457200">
               <a:buAutoNum type="arabicPeriod"/>
             </a:pPr>
             <a:r>
@@ -5036,8 +5039,7 @@
             </a:r>
           </a:p>
           <a:p>
-            <a:pPr>
-              <a:buFont typeface="+mj-lt"/>
+            <a:pPr marL="457200" indent="-457200">
               <a:buAutoNum type="arabicPeriod"/>
             </a:pPr>
             <a:r>
@@ -5046,8 +5048,7 @@
             </a:r>
           </a:p>
           <a:p>
-            <a:pPr>
-              <a:buFont typeface="+mj-lt"/>
+            <a:pPr marL="457200" indent="-457200">
               <a:buAutoNum type="arabicPeriod"/>
             </a:pPr>
             <a:r>
@@ -5056,8 +5057,7 @@
             </a:r>
           </a:p>
           <a:p>
-            <a:pPr>
-              <a:buFont typeface="+mj-lt"/>
+            <a:pPr marL="457200" indent="-457200">
               <a:buAutoNum type="arabicPeriod"/>
             </a:pPr>
             <a:r>
